--- a/Batch-06/Proff Lecture Material/16. IP Address.pptx
+++ b/Batch-06/Proff Lecture Material/16. IP Address.pptx
@@ -304,7 +304,7 @@
             <a:fld id="{1D8BD707-D9CF-40AE-B4C6-C98DA3205C09}" type="datetimeFigureOut">
               <a:rPr lang="en-US" smtClean="0"/>
               <a:pPr/>
-              <a:t>2/18/2021</a:t>
+              <a:t>4/13/2021</a:t>
             </a:fld>
             <a:endParaRPr lang="en-US"/>
           </a:p>
@@ -470,7 +470,7 @@
             <a:fld id="{1D8BD707-D9CF-40AE-B4C6-C98DA3205C09}" type="datetimeFigureOut">
               <a:rPr lang="en-US" smtClean="0"/>
               <a:pPr/>
-              <a:t>2/18/2021</a:t>
+              <a:t>4/13/2021</a:t>
             </a:fld>
             <a:endParaRPr lang="en-US"/>
           </a:p>
@@ -646,7 +646,7 @@
             <a:fld id="{1D8BD707-D9CF-40AE-B4C6-C98DA3205C09}" type="datetimeFigureOut">
               <a:rPr lang="en-US" smtClean="0"/>
               <a:pPr/>
-              <a:t>2/18/2021</a:t>
+              <a:t>4/13/2021</a:t>
             </a:fld>
             <a:endParaRPr lang="en-US"/>
           </a:p>
@@ -812,7 +812,7 @@
             <a:fld id="{1D8BD707-D9CF-40AE-B4C6-C98DA3205C09}" type="datetimeFigureOut">
               <a:rPr lang="en-US" smtClean="0"/>
               <a:pPr/>
-              <a:t>2/18/2021</a:t>
+              <a:t>4/13/2021</a:t>
             </a:fld>
             <a:endParaRPr lang="en-US"/>
           </a:p>
@@ -1055,7 +1055,7 @@
             <a:fld id="{1D8BD707-D9CF-40AE-B4C6-C98DA3205C09}" type="datetimeFigureOut">
               <a:rPr lang="en-US" smtClean="0"/>
               <a:pPr/>
-              <a:t>2/18/2021</a:t>
+              <a:t>4/13/2021</a:t>
             </a:fld>
             <a:endParaRPr lang="en-US"/>
           </a:p>
@@ -1320,7 +1320,7 @@
             <a:fld id="{1D8BD707-D9CF-40AE-B4C6-C98DA3205C09}" type="datetimeFigureOut">
               <a:rPr lang="en-US" smtClean="0"/>
               <a:pPr/>
-              <a:t>2/18/2021</a:t>
+              <a:t>4/13/2021</a:t>
             </a:fld>
             <a:endParaRPr lang="en-US"/>
           </a:p>
@@ -1699,7 +1699,7 @@
             <a:fld id="{1D8BD707-D9CF-40AE-B4C6-C98DA3205C09}" type="datetimeFigureOut">
               <a:rPr lang="en-US" smtClean="0"/>
               <a:pPr/>
-              <a:t>2/18/2021</a:t>
+              <a:t>4/13/2021</a:t>
             </a:fld>
             <a:endParaRPr lang="en-US"/>
           </a:p>
@@ -1850,7 +1850,7 @@
             <a:fld id="{1D8BD707-D9CF-40AE-B4C6-C98DA3205C09}" type="datetimeFigureOut">
               <a:rPr lang="en-US" smtClean="0"/>
               <a:pPr/>
-              <a:t>2/18/2021</a:t>
+              <a:t>4/13/2021</a:t>
             </a:fld>
             <a:endParaRPr lang="en-US"/>
           </a:p>
@@ -1942,7 +1942,7 @@
             <a:fld id="{1D8BD707-D9CF-40AE-B4C6-C98DA3205C09}" type="datetimeFigureOut">
               <a:rPr lang="en-US" smtClean="0"/>
               <a:pPr/>
-              <a:t>2/18/2021</a:t>
+              <a:t>4/13/2021</a:t>
             </a:fld>
             <a:endParaRPr lang="en-US"/>
           </a:p>
@@ -2204,7 +2204,7 @@
             <a:fld id="{1D8BD707-D9CF-40AE-B4C6-C98DA3205C09}" type="datetimeFigureOut">
               <a:rPr lang="en-US" smtClean="0"/>
               <a:pPr/>
-              <a:t>2/18/2021</a:t>
+              <a:t>4/13/2021</a:t>
             </a:fld>
             <a:endParaRPr lang="en-US"/>
           </a:p>
@@ -2493,7 +2493,7 @@
             <a:fld id="{1D8BD707-D9CF-40AE-B4C6-C98DA3205C09}" type="datetimeFigureOut">
               <a:rPr lang="en-US" smtClean="0"/>
               <a:pPr/>
-              <a:t>2/18/2021</a:t>
+              <a:t>4/13/2021</a:t>
             </a:fld>
             <a:endParaRPr lang="en-US"/>
           </a:p>
@@ -3264,7 +3264,7 @@
             <a:fld id="{1D8BD707-D9CF-40AE-B4C6-C98DA3205C09}" type="datetimeFigureOut">
               <a:rPr lang="en-US" smtClean="0"/>
               <a:pPr/>
-              <a:t>2/18/2021</a:t>
+              <a:t>4/13/2021</a:t>
             </a:fld>
             <a:endParaRPr lang="en-US"/>
           </a:p>
@@ -3892,7 +3892,7 @@
         <p:spPr>
           <a:xfrm>
             <a:off x="6711950" y="4866894"/>
-            <a:ext cx="1801495" cy="228600"/>
+            <a:ext cx="1801495" cy="218008"/>
           </a:xfrm>
           <a:prstGeom prst="rect">
             <a:avLst/>
@@ -3982,14 +3982,6 @@
               <a:t>c</a:t>
             </a:r>
             <a:r>
-              <a:rPr sz="1800" b="1" spc="-280" dirty="0">
-                <a:latin typeface="DejaVu Sans"/>
-                <a:cs typeface="DejaVu Sans"/>
-                <a:hlinkClick r:id="rId2"/>
-              </a:rPr>
-              <a:t>o</a:t>
-            </a:r>
-            <a:r>
               <a:rPr sz="1800" b="1" spc="-415" dirty="0">
                 <a:latin typeface="DejaVu Sans"/>
                 <a:cs typeface="DejaVu Sans"/>
@@ -3997,7 +3989,7 @@
               </a:rPr>
               <a:t>m</a:t>
             </a:r>
-            <a:endParaRPr sz="1800">
+            <a:endParaRPr sz="1800" dirty="0">
               <a:latin typeface="DejaVu Sans"/>
               <a:cs typeface="DejaVu Sans"/>
             </a:endParaRPr>
@@ -5269,7 +5261,7 @@
         </p:nvSpPr>
         <p:spPr>
           <a:xfrm>
-            <a:off x="755904" y="906018"/>
+            <a:off x="762000" y="1047750"/>
             <a:ext cx="6388608" cy="4104132"/>
           </a:xfrm>
           <a:prstGeom prst="rect">
@@ -5298,7 +5290,7 @@
         </p:nvSpPr>
         <p:spPr>
           <a:xfrm>
-            <a:off x="838200" y="757927"/>
+            <a:off x="784412" y="757927"/>
             <a:ext cx="2289861" cy="289823"/>
           </a:xfrm>
           <a:prstGeom prst="rect">
@@ -5754,220 +5746,6 @@
       </p:sp>
       <p:sp>
         <p:nvSpPr>
-          <p:cNvPr id="3" name="object 3"/>
-          <p:cNvSpPr txBox="1"/>
-          <p:nvPr/>
-        </p:nvSpPr>
-        <p:spPr>
-          <a:xfrm>
-            <a:off x="736498" y="971550"/>
-            <a:ext cx="7934959" cy="2548070"/>
-          </a:xfrm>
-          <a:prstGeom prst="rect">
-            <a:avLst/>
-          </a:prstGeom>
-        </p:spPr>
-        <p:txBody>
-          <a:bodyPr vert="horz" wrap="square" lIns="0" tIns="10795" rIns="0" bIns="0" rtlCol="0">
-            <a:spAutoFit/>
-          </a:bodyPr>
-          <a:lstStyle/>
-          <a:p>
-            <a:pPr marL="12700" marR="5080">
-              <a:lnSpc>
-                <a:spcPct val="100600"/>
-              </a:lnSpc>
-              <a:spcBef>
-                <a:spcPts val="85"/>
-              </a:spcBef>
-              <a:tabLst>
-                <a:tab pos="273050" algn="l"/>
-                <a:tab pos="1049020" algn="l"/>
-                <a:tab pos="1352550" algn="l"/>
-                <a:tab pos="2202815" algn="l"/>
-                <a:tab pos="2472690" algn="l"/>
-                <a:tab pos="2830830" algn="l"/>
-                <a:tab pos="3135630" algn="l"/>
-                <a:tab pos="3984625" algn="l"/>
-                <a:tab pos="4634230" algn="l"/>
-                <a:tab pos="5574030" algn="l"/>
-                <a:tab pos="5969635" algn="l"/>
-                <a:tab pos="6817995" algn="l"/>
-                <a:tab pos="7272655" algn="l"/>
-              </a:tabLst>
-            </a:pPr>
-            <a:r>
-              <a:rPr sz="1800" dirty="0">
-                <a:solidFill>
-                  <a:srgbClr val="0F0F0F"/>
-                </a:solidFill>
-                <a:latin typeface="DejaVu Sans"/>
-                <a:cs typeface="DejaVu Sans"/>
-              </a:rPr>
-              <a:t>A	private	IP	address	is	an	</a:t>
-            </a:r>
-            <a:r>
-              <a:rPr sz="1800" dirty="0">
-                <a:solidFill>
-                  <a:srgbClr val="005D7E"/>
-                </a:solidFill>
-                <a:latin typeface="DejaVu Sans"/>
-                <a:cs typeface="DejaVu Sans"/>
-              </a:rPr>
-              <a:t>IP	address	</a:t>
-            </a:r>
-            <a:r>
-              <a:rPr sz="1800" dirty="0">
-                <a:solidFill>
-                  <a:srgbClr val="0F0F0F"/>
-                </a:solidFill>
-                <a:latin typeface="DejaVu Sans"/>
-                <a:cs typeface="DejaVu Sans"/>
-              </a:rPr>
-              <a:t>that's	reserved	for	internal	use	behind  a </a:t>
-            </a:r>
-            <a:r>
-              <a:rPr sz="1800" dirty="0">
-                <a:solidFill>
-                  <a:srgbClr val="005D7E"/>
-                </a:solidFill>
-                <a:latin typeface="DejaVu Sans"/>
-                <a:cs typeface="DejaVu Sans"/>
-              </a:rPr>
-              <a:t>router </a:t>
-            </a:r>
-            <a:r>
-              <a:rPr sz="1800" dirty="0">
-                <a:solidFill>
-                  <a:srgbClr val="0F0F0F"/>
-                </a:solidFill>
-                <a:latin typeface="DejaVu Sans"/>
-                <a:cs typeface="DejaVu Sans"/>
-              </a:rPr>
-              <a:t>or other Network Address Translation (NAT) devices, apart from the public.</a:t>
-            </a:r>
-            <a:endParaRPr sz="1800" dirty="0">
-              <a:latin typeface="DejaVu Sans"/>
-              <a:cs typeface="DejaVu Sans"/>
-            </a:endParaRPr>
-          </a:p>
-          <a:p>
-            <a:pPr marL="12700">
-              <a:lnSpc>
-                <a:spcPts val="2150"/>
-              </a:lnSpc>
-            </a:pPr>
-            <a:r>
-              <a:rPr sz="1800" dirty="0">
-                <a:solidFill>
-                  <a:srgbClr val="0F0F0F"/>
-                </a:solidFill>
-                <a:latin typeface="DejaVu Sans"/>
-                <a:cs typeface="DejaVu Sans"/>
-              </a:rPr>
-              <a:t>Public IP addresses are allocated to Internet faced routers and Servers, which can be</a:t>
-            </a:r>
-            <a:endParaRPr sz="1800" dirty="0">
-              <a:latin typeface="DejaVu Sans"/>
-              <a:cs typeface="DejaVu Sans"/>
-            </a:endParaRPr>
-          </a:p>
-          <a:p>
-            <a:pPr marL="12700">
-              <a:lnSpc>
-                <a:spcPct val="100000"/>
-              </a:lnSpc>
-              <a:spcBef>
-                <a:spcPts val="15"/>
-              </a:spcBef>
-            </a:pPr>
-            <a:r>
-              <a:rPr sz="1800" dirty="0">
-                <a:solidFill>
-                  <a:srgbClr val="0F0F0F"/>
-                </a:solidFill>
-                <a:latin typeface="DejaVu Sans"/>
-                <a:cs typeface="DejaVu Sans"/>
-              </a:rPr>
-              <a:t>able to access internet directly.</a:t>
-            </a:r>
-            <a:endParaRPr sz="1800" dirty="0">
-              <a:latin typeface="DejaVu Sans"/>
-              <a:cs typeface="DejaVu Sans"/>
-            </a:endParaRPr>
-          </a:p>
-          <a:p>
-            <a:pPr marL="12700">
-              <a:lnSpc>
-                <a:spcPct val="100000"/>
-              </a:lnSpc>
-              <a:spcBef>
-                <a:spcPts val="35"/>
-              </a:spcBef>
-            </a:pPr>
-            <a:r>
-              <a:rPr sz="1800" dirty="0">
-                <a:solidFill>
-                  <a:srgbClr val="0F0F0F"/>
-                </a:solidFill>
-                <a:latin typeface="DejaVu Sans"/>
-                <a:cs typeface="DejaVu Sans"/>
-              </a:rPr>
-              <a:t>The </a:t>
-            </a:r>
-            <a:r>
-              <a:rPr sz="1800" dirty="0">
-                <a:solidFill>
-                  <a:srgbClr val="005D7E"/>
-                </a:solidFill>
-                <a:latin typeface="DejaVu Sans"/>
-                <a:cs typeface="DejaVu Sans"/>
-              </a:rPr>
-              <a:t>Internet Assigned Numbers Authority </a:t>
-            </a:r>
-            <a:r>
-              <a:rPr sz="1800" dirty="0">
-                <a:solidFill>
-                  <a:srgbClr val="0F0F0F"/>
-                </a:solidFill>
-                <a:latin typeface="DejaVu Sans"/>
-                <a:cs typeface="DejaVu Sans"/>
-              </a:rPr>
-              <a:t>(IANA) reserves the following IP address</a:t>
-            </a:r>
-            <a:endParaRPr sz="1800" dirty="0">
-              <a:latin typeface="DejaVu Sans"/>
-              <a:cs typeface="DejaVu Sans"/>
-            </a:endParaRPr>
-          </a:p>
-          <a:p>
-            <a:pPr marL="12700">
-              <a:lnSpc>
-                <a:spcPct val="100000"/>
-              </a:lnSpc>
-              <a:spcBef>
-                <a:spcPts val="160"/>
-              </a:spcBef>
-            </a:pPr>
-            <a:r>
-              <a:rPr sz="1800" dirty="0">
-                <a:solidFill>
-                  <a:srgbClr val="0F0F0F"/>
-                </a:solidFill>
-                <a:latin typeface="DejaVu Sans"/>
-                <a:cs typeface="DejaVu Sans"/>
-              </a:rPr>
-              <a:t>blocks for use as private IP addresses:</a:t>
-            </a:r>
-            <a:endParaRPr sz="1800" dirty="0">
-              <a:latin typeface="DejaVu Sans"/>
-              <a:cs typeface="DejaVu Sans"/>
-            </a:endParaRPr>
-          </a:p>
-        </p:txBody>
-      </p:sp>
-      <p:sp>
-        <p:nvSpPr>
           <p:cNvPr id="4" name="object 4"/>
           <p:cNvSpPr/>
           <p:nvPr/>
@@ -5992,6 +5770,59 @@
           <a:lstStyle/>
           <a:p>
             <a:endParaRPr/>
+          </a:p>
+        </p:txBody>
+      </p:sp>
+      <p:sp>
+        <p:nvSpPr>
+          <p:cNvPr id="6" name="TextBox 5">
+            <a:extLst>
+              <a:ext uri="{FF2B5EF4-FFF2-40B4-BE49-F238E27FC236}">
+                <a16:creationId xmlns:a16="http://schemas.microsoft.com/office/drawing/2014/main" id="{D5D7B82F-E4AD-46D5-8B75-D57A9D32F5CD}"/>
+              </a:ext>
+            </a:extLst>
+          </p:cNvPr>
+          <p:cNvSpPr txBox="1"/>
+          <p:nvPr/>
+        </p:nvSpPr>
+        <p:spPr>
+          <a:xfrm>
+            <a:off x="533400" y="965110"/>
+            <a:ext cx="8382000" cy="1754326"/>
+          </a:xfrm>
+          <a:prstGeom prst="rect">
+            <a:avLst/>
+          </a:prstGeom>
+          <a:noFill/>
+        </p:spPr>
+        <p:txBody>
+          <a:bodyPr wrap="square">
+            <a:spAutoFit/>
+          </a:bodyPr>
+          <a:lstStyle/>
+          <a:p>
+            <a:r>
+              <a:rPr lang="en-US" dirty="0"/>
+              <a:t>A private IP address is an IP address that's reserved for internal use behind  a router or other Network Address Translation (NAT) devices, apart from the public.</a:t>
+            </a:r>
+          </a:p>
+          <a:p>
+            <a:r>
+              <a:rPr lang="en-US" dirty="0"/>
+              <a:t>Public IP addresses are allocated to Internet faced routers and Servers, which can be able to access internet directly.</a:t>
+            </a:r>
+          </a:p>
+          <a:p>
+            <a:r>
+              <a:rPr lang="en-US" dirty="0"/>
+              <a:t>The Internet Assigned Numbers Authority (IANA) reserves the following IP address</a:t>
+            </a:r>
+          </a:p>
+          <a:p>
+            <a:r>
+              <a:rPr lang="en-US" dirty="0"/>
+              <a:t>blocks for use as private IP addresses:</a:t>
+            </a:r>
           </a:p>
         </p:txBody>
       </p:sp>
